--- a/GitHubのルールブック.pptx
+++ b/GitHubのルールブック.pptx
@@ -3617,7 +3617,7 @@
                 <a:latin typeface="ＭＳ Ｐ明朝" panose="02020600040205080304" pitchFamily="18" charset="-128"/>
                 <a:ea typeface="ＭＳ Ｐ明朝" panose="02020600040205080304" pitchFamily="18" charset="-128"/>
               </a:rPr>
-              <a:t>2019/9/9</a:t>
+              <a:t>2019/9/10</a:t>
             </a:fld>
             <a:endParaRPr lang="ja-JP" altLang="en-US" dirty="0">
               <a:latin typeface="ＭＳ Ｐ明朝" panose="02020600040205080304" pitchFamily="18" charset="-128"/>
@@ -3804,7 +3804,7 @@
             <a:fld id="{8DB030B5-48DE-41BC-A330-784464A77615}" type="datetime1">
               <a:rPr lang="ja-JP" altLang="en-US" smtClean="0"/>
               <a:pPr/>
-              <a:t>2019/9/9</a:t>
+              <a:t>2019/9/10</a:t>
             </a:fld>
             <a:endParaRPr lang="ja-JP" altLang="en-US" dirty="0"/>
           </a:p>
@@ -5302,7 +5302,7 @@
             <a:fld id="{9955A58D-F58F-4648-9B0C-2E4F5D45A315}" type="datetime1">
               <a:rPr lang="ja-JP" altLang="en-US" smtClean="0"/>
               <a:pPr/>
-              <a:t>2019/9/9</a:t>
+              <a:t>2019/9/10</a:t>
             </a:fld>
             <a:endParaRPr lang="ja-JP" altLang="en-US" dirty="0"/>
           </a:p>
@@ -5950,7 +5950,7 @@
             <a:fld id="{8A8F7659-8275-4C1E-BC20-27BC27A19000}" type="datetime1">
               <a:rPr lang="ja-JP" altLang="en-US" smtClean="0"/>
               <a:pPr/>
-              <a:t>2019/9/9</a:t>
+              <a:t>2019/9/10</a:t>
             </a:fld>
             <a:endParaRPr lang="ja-JP" altLang="en-US" dirty="0"/>
           </a:p>
@@ -6199,7 +6199,7 @@
             <a:fld id="{BC33A460-C018-4327-8FC9-8B7E717D0DE4}" type="datetime1">
               <a:rPr lang="ja-JP" altLang="en-US" smtClean="0"/>
               <a:pPr/>
-              <a:t>2019/9/9</a:t>
+              <a:t>2019/9/10</a:t>
             </a:fld>
             <a:endParaRPr lang="ja-JP" altLang="en-US" dirty="0"/>
           </a:p>
@@ -6438,7 +6438,7 @@
             <a:fld id="{173B75BF-6995-406D-9A17-E95482ADFBF3}" type="datetime1">
               <a:rPr lang="ja-JP" altLang="en-US" smtClean="0"/>
               <a:pPr/>
-              <a:t>2019/9/9</a:t>
+              <a:t>2019/9/10</a:t>
             </a:fld>
             <a:endParaRPr lang="ja-JP" altLang="en-US" dirty="0"/>
           </a:p>
@@ -6711,7 +6711,7 @@
             <a:fld id="{0B33CEE5-587E-423D-B932-39999EC69B53}" type="datetime1">
               <a:rPr lang="ja-JP" altLang="en-US" smtClean="0"/>
               <a:pPr/>
-              <a:t>2019/9/9</a:t>
+              <a:t>2019/9/10</a:t>
             </a:fld>
             <a:endParaRPr lang="ja-JP" altLang="en-US" dirty="0"/>
           </a:p>
@@ -7292,7 +7292,7 @@
             <a:fld id="{44B0FD57-7DBE-42AF-AB29-EB569AAD7C5D}" type="datetime1">
               <a:rPr lang="ja-JP" altLang="en-US" smtClean="0"/>
               <a:pPr/>
-              <a:t>2019/9/9</a:t>
+              <a:t>2019/9/10</a:t>
             </a:fld>
             <a:endParaRPr lang="ja-JP" altLang="en-US" dirty="0"/>
           </a:p>
@@ -7825,7 +7825,7 @@
             <a:fld id="{C0AB4DE3-2B70-400E-8AFF-6DC0407EDD3C}" type="datetime1">
               <a:rPr lang="ja-JP" altLang="en-US" smtClean="0"/>
               <a:pPr/>
-              <a:t>2019/9/9</a:t>
+              <a:t>2019/9/10</a:t>
             </a:fld>
             <a:endParaRPr lang="ja-JP" altLang="en-US" dirty="0"/>
           </a:p>
@@ -7964,7 +7964,7 @@
             <a:fld id="{BC97F19D-A547-447C-8953-D10EEB9F75A5}" type="datetime1">
               <a:rPr lang="ja-JP" altLang="en-US" smtClean="0"/>
               <a:pPr/>
-              <a:t>2019/9/9</a:t>
+              <a:t>2019/9/10</a:t>
             </a:fld>
             <a:endParaRPr lang="ja-JP" altLang="en-US" dirty="0"/>
           </a:p>
@@ -8079,7 +8079,7 @@
             <a:fld id="{24865BFE-1948-4549-AB64-C40C57FFA470}" type="datetime1">
               <a:rPr lang="ja-JP" altLang="en-US" smtClean="0"/>
               <a:pPr/>
-              <a:t>2019/9/9</a:t>
+              <a:t>2019/9/10</a:t>
             </a:fld>
             <a:endParaRPr lang="ja-JP" altLang="en-US" dirty="0"/>
           </a:p>
@@ -8413,7 +8413,7 @@
             <a:fld id="{BFDDD3FB-B2CC-4DFB-ABC9-C3BBE078D579}" type="datetime1">
               <a:rPr lang="ja-JP" altLang="en-US" smtClean="0"/>
               <a:pPr/>
-              <a:t>2019/9/9</a:t>
+              <a:t>2019/9/10</a:t>
             </a:fld>
             <a:endParaRPr lang="ja-JP" altLang="en-US" dirty="0"/>
           </a:p>
@@ -8746,7 +8746,7 @@
             <a:fld id="{289CB8A8-DEB1-41AA-A3C8-FB7EDE59D9EB}" type="datetime1">
               <a:rPr lang="ja-JP" altLang="en-US" smtClean="0"/>
               <a:pPr/>
-              <a:t>2019/9/9</a:t>
+              <a:t>2019/9/10</a:t>
             </a:fld>
             <a:endParaRPr lang="ja-JP" altLang="en-US" dirty="0"/>
           </a:p>
@@ -9133,7 +9133,7 @@
             <a:fld id="{CDDCA12C-BECA-41F8-83C3-9CE2536AFED3}" type="datetime1">
               <a:rPr lang="ja-JP" altLang="en-US" smtClean="0"/>
               <a:pPr/>
-              <a:t>2019/9/9</a:t>
+              <a:t>2019/9/10</a:t>
             </a:fld>
             <a:endParaRPr lang="ja-JP" altLang="en-US" dirty="0"/>
           </a:p>
@@ -9926,11 +9926,6 @@
               </a:rPr>
               <a:t>最後に</a:t>
             </a:r>
-            <a:endParaRPr lang="ja-JP" altLang="en-US" dirty="0">
-              <a:latin typeface="ＭＳ Ｐ明朝" panose="02020600040205080304" pitchFamily="18" charset="-128"/>
-              <a:ea typeface="ＭＳ Ｐ明朝" panose="02020600040205080304" pitchFamily="18" charset="-128"/>
-              <a:sym typeface="ＭＳ Ｐ明朝" panose="02020600040205080304" pitchFamily="18" charset="-128"/>
-            </a:endParaRPr>
           </a:p>
         </p:txBody>
       </p:sp>
@@ -10114,23 +10109,7 @@
                 <a:ea typeface="ＭＳ Ｐ明朝" panose="02020600040205080304" pitchFamily="18" charset="-128"/>
                 <a:sym typeface="ＭＳ Ｐ明朝" panose="02020600040205080304" pitchFamily="18" charset="-128"/>
               </a:rPr>
-              <a:t>表を使用した </a:t>
-            </a:r>
-            <a:r>
-              <a:rPr lang="en-US" altLang="ja-JP" dirty="0" smtClean="0">
-                <a:latin typeface="ＭＳ Ｐ明朝" panose="02020600040205080304" pitchFamily="18" charset="-128"/>
-                <a:ea typeface="ＭＳ Ｐ明朝" panose="02020600040205080304" pitchFamily="18" charset="-128"/>
-                <a:sym typeface="ＭＳ Ｐ明朝" panose="02020600040205080304" pitchFamily="18" charset="-128"/>
-              </a:rPr>
-              <a:t>2 </a:t>
-            </a:r>
-            <a:r>
-              <a:rPr lang="ja-JP" altLang="en-US" dirty="0" smtClean="0">
-                <a:latin typeface="ＭＳ Ｐ明朝" panose="02020600040205080304" pitchFamily="18" charset="-128"/>
-                <a:ea typeface="ＭＳ Ｐ明朝" panose="02020600040205080304" pitchFamily="18" charset="-128"/>
-                <a:sym typeface="ＭＳ Ｐ明朝" panose="02020600040205080304" pitchFamily="18" charset="-128"/>
-              </a:rPr>
-              <a:t>段組レイアウト</a:t>
+              <a:t>初期設定</a:t>
             </a:r>
             <a:endParaRPr lang="ja-JP" altLang="en-US" dirty="0">
               <a:latin typeface="ＭＳ Ｐ明朝" panose="02020600040205080304" pitchFamily="18" charset="-128"/>
@@ -10140,485 +10119,31 @@
           </a:p>
         </p:txBody>
       </p:sp>
-      <p:graphicFrame>
-        <p:nvGraphicFramePr>
-          <p:cNvPr id="4" name="コンテンツ プレースホルダー 3"/>
-          <p:cNvGraphicFramePr>
-            <a:graphicFrameLocks noGrp="1"/>
-          </p:cNvGraphicFramePr>
-          <p:nvPr>
-            <p:ph sz="half" idx="1"/>
-            <p:extLst>
-              <p:ext uri="{D42A27DB-BD31-4B8C-83A1-F6EECF244321}">
-                <p14:modId xmlns:p14="http://schemas.microsoft.com/office/powerpoint/2010/main" val="1475416969"/>
-              </p:ext>
-            </p:extLst>
-          </p:nvPr>
-        </p:nvGraphicFramePr>
-        <p:xfrm>
-          <a:off x="1219200" y="1803400"/>
-          <a:ext cx="4773612" cy="2082800"/>
-        </p:xfrm>
-        <a:graphic>
-          <a:graphicData uri="http://schemas.openxmlformats.org/drawingml/2006/table">
-            <a:tbl>
-              <a:tblPr firstRow="1" bandRow="1">
-                <a:tableStyleId>{5C22544A-7EE6-4342-B048-85BDC9FD1C3A}</a:tableStyleId>
-              </a:tblPr>
-              <a:tblGrid>
-                <a:gridCol w="1591204">
-                  <a:extLst>
-                    <a:ext uri="{9D8B030D-6E8A-4147-A177-3AD203B41FA5}">
-                      <a16:colId xmlns:a16="http://schemas.microsoft.com/office/drawing/2014/main" val="20000"/>
-                    </a:ext>
-                  </a:extLst>
-                </a:gridCol>
-                <a:gridCol w="1591204">
-                  <a:extLst>
-                    <a:ext uri="{9D8B030D-6E8A-4147-A177-3AD203B41FA5}">
-                      <a16:colId xmlns:a16="http://schemas.microsoft.com/office/drawing/2014/main" val="20001"/>
-                    </a:ext>
-                  </a:extLst>
-                </a:gridCol>
-                <a:gridCol w="1591204">
-                  <a:extLst>
-                    <a:ext uri="{9D8B030D-6E8A-4147-A177-3AD203B41FA5}">
-                      <a16:colId xmlns:a16="http://schemas.microsoft.com/office/drawing/2014/main" val="20002"/>
-                    </a:ext>
-                  </a:extLst>
-                </a:gridCol>
-              </a:tblGrid>
-              <a:tr h="520700">
-                <a:tc>
-                  <a:txBody>
-                    <a:bodyPr/>
-                    <a:lstStyle/>
-                    <a:p>
-                      <a:pPr rtl="0"/>
-                      <a:r>
-                        <a:rPr lang="ja-JP" altLang="en-US" dirty="0" smtClean="0">
-                          <a:latin typeface="ＭＳ Ｐ明朝" panose="02020600040205080304" pitchFamily="18" charset="-128"/>
-                          <a:ea typeface="ＭＳ Ｐ明朝" panose="02020600040205080304" pitchFamily="18" charset="-128"/>
-                          <a:sym typeface="ＭＳ Ｐ明朝" panose="02020600040205080304" pitchFamily="18" charset="-128"/>
-                        </a:rPr>
-                        <a:t>クラス</a:t>
-                      </a:r>
-                      <a:endParaRPr lang="ja-JP" altLang="en-US" dirty="0">
-                        <a:latin typeface="ＭＳ Ｐ明朝" panose="02020600040205080304" pitchFamily="18" charset="-128"/>
-                        <a:ea typeface="ＭＳ Ｐ明朝" panose="02020600040205080304" pitchFamily="18" charset="-128"/>
-                        <a:sym typeface="ＭＳ Ｐ明朝" panose="02020600040205080304" pitchFamily="18" charset="-128"/>
-                      </a:endParaRPr>
-                    </a:p>
-                  </a:txBody>
-                  <a:tcPr anchor="ctr"/>
-                </a:tc>
-                <a:tc>
-                  <a:txBody>
-                    <a:bodyPr/>
-                    <a:lstStyle/>
-                    <a:p>
-                      <a:pPr algn="ctr" rtl="0"/>
-                      <a:r>
-                        <a:rPr lang="ja-JP" altLang="en-US" dirty="0" smtClean="0">
-                          <a:latin typeface="ＭＳ Ｐ明朝" panose="02020600040205080304" pitchFamily="18" charset="-128"/>
-                          <a:ea typeface="ＭＳ Ｐ明朝" panose="02020600040205080304" pitchFamily="18" charset="-128"/>
-                          <a:sym typeface="ＭＳ Ｐ明朝" panose="02020600040205080304" pitchFamily="18" charset="-128"/>
-                        </a:rPr>
-                        <a:t>グループ </a:t>
-                      </a:r>
-                      <a:r>
-                        <a:rPr lang="en-US" altLang="ja-JP" dirty="0" smtClean="0">
-                          <a:latin typeface="ＭＳ Ｐ明朝" panose="02020600040205080304" pitchFamily="18" charset="-128"/>
-                          <a:ea typeface="ＭＳ Ｐ明朝" panose="02020600040205080304" pitchFamily="18" charset="-128"/>
-                          <a:sym typeface="ＭＳ Ｐ明朝" panose="02020600040205080304" pitchFamily="18" charset="-128"/>
-                        </a:rPr>
-                        <a:t>A</a:t>
-                      </a:r>
-                      <a:endParaRPr lang="en-US" altLang="ja-JP" dirty="0">
-                        <a:latin typeface="ＭＳ Ｐ明朝" panose="02020600040205080304" pitchFamily="18" charset="-128"/>
-                        <a:ea typeface="ＭＳ Ｐ明朝" panose="02020600040205080304" pitchFamily="18" charset="-128"/>
-                        <a:sym typeface="ＭＳ Ｐ明朝" panose="02020600040205080304" pitchFamily="18" charset="-128"/>
-                      </a:endParaRPr>
-                    </a:p>
-                  </a:txBody>
-                  <a:tcPr anchor="ctr"/>
-                </a:tc>
-                <a:tc>
-                  <a:txBody>
-                    <a:bodyPr/>
-                    <a:lstStyle/>
-                    <a:p>
-                      <a:pPr algn="ctr" rtl="0"/>
-                      <a:r>
-                        <a:rPr lang="ja-JP" altLang="en-US" dirty="0" smtClean="0">
-                          <a:latin typeface="ＭＳ Ｐ明朝" panose="02020600040205080304" pitchFamily="18" charset="-128"/>
-                          <a:ea typeface="ＭＳ Ｐ明朝" panose="02020600040205080304" pitchFamily="18" charset="-128"/>
-                          <a:sym typeface="ＭＳ Ｐ明朝" panose="02020600040205080304" pitchFamily="18" charset="-128"/>
-                        </a:rPr>
-                        <a:t>グループ </a:t>
-                      </a:r>
-                      <a:r>
-                        <a:rPr lang="en-US" altLang="ja-JP" dirty="0" smtClean="0">
-                          <a:latin typeface="ＭＳ Ｐ明朝" panose="02020600040205080304" pitchFamily="18" charset="-128"/>
-                          <a:ea typeface="ＭＳ Ｐ明朝" panose="02020600040205080304" pitchFamily="18" charset="-128"/>
-                          <a:sym typeface="ＭＳ Ｐ明朝" panose="02020600040205080304" pitchFamily="18" charset="-128"/>
-                        </a:rPr>
-                        <a:t>B</a:t>
-                      </a:r>
-                      <a:endParaRPr lang="en-US" altLang="ja-JP" dirty="0">
-                        <a:latin typeface="ＭＳ Ｐ明朝" panose="02020600040205080304" pitchFamily="18" charset="-128"/>
-                        <a:ea typeface="ＭＳ Ｐ明朝" panose="02020600040205080304" pitchFamily="18" charset="-128"/>
-                        <a:sym typeface="ＭＳ Ｐ明朝" panose="02020600040205080304" pitchFamily="18" charset="-128"/>
-                      </a:endParaRPr>
-                    </a:p>
-                  </a:txBody>
-                  <a:tcPr anchor="ctr"/>
-                </a:tc>
-                <a:extLst>
-                  <a:ext uri="{0D108BD9-81ED-4DB2-BD59-A6C34878D82A}">
-                    <a16:rowId xmlns:a16="http://schemas.microsoft.com/office/drawing/2014/main" val="10000"/>
-                  </a:ext>
-                </a:extLst>
-              </a:tr>
-              <a:tr h="520700">
-                <a:tc>
-                  <a:txBody>
-                    <a:bodyPr/>
-                    <a:lstStyle/>
-                    <a:p>
-                      <a:pPr rtl="0"/>
-                      <a:r>
-                        <a:rPr lang="ja-JP" altLang="en-US" dirty="0" smtClean="0">
-                          <a:latin typeface="ＭＳ Ｐ明朝" panose="02020600040205080304" pitchFamily="18" charset="-128"/>
-                          <a:ea typeface="ＭＳ Ｐ明朝" panose="02020600040205080304" pitchFamily="18" charset="-128"/>
-                          <a:sym typeface="ＭＳ Ｐ明朝" panose="02020600040205080304" pitchFamily="18" charset="-128"/>
-                        </a:rPr>
-                        <a:t>クラス </a:t>
-                      </a:r>
-                      <a:r>
-                        <a:rPr lang="en-US" altLang="ja-JP" dirty="0" smtClean="0">
-                          <a:latin typeface="ＭＳ Ｐ明朝" panose="02020600040205080304" pitchFamily="18" charset="-128"/>
-                          <a:ea typeface="ＭＳ Ｐ明朝" panose="02020600040205080304" pitchFamily="18" charset="-128"/>
-                          <a:sym typeface="ＭＳ Ｐ明朝" panose="02020600040205080304" pitchFamily="18" charset="-128"/>
-                        </a:rPr>
-                        <a:t>1</a:t>
-                      </a:r>
-                      <a:endParaRPr lang="en-US" altLang="ja-JP" dirty="0">
-                        <a:latin typeface="ＭＳ Ｐ明朝" panose="02020600040205080304" pitchFamily="18" charset="-128"/>
-                        <a:ea typeface="ＭＳ Ｐ明朝" panose="02020600040205080304" pitchFamily="18" charset="-128"/>
-                        <a:sym typeface="ＭＳ Ｐ明朝" panose="02020600040205080304" pitchFamily="18" charset="-128"/>
-                      </a:endParaRPr>
-                    </a:p>
-                  </a:txBody>
-                  <a:tcPr anchor="ctr"/>
-                </a:tc>
-                <a:tc>
-                  <a:txBody>
-                    <a:bodyPr/>
-                    <a:lstStyle/>
-                    <a:p>
-                      <a:pPr algn="ctr" rtl="0"/>
-                      <a:r>
-                        <a:rPr lang="en-US" altLang="ja-JP" dirty="0" smtClean="0">
-                          <a:latin typeface="ＭＳ Ｐ明朝" panose="02020600040205080304" pitchFamily="18" charset="-128"/>
-                          <a:ea typeface="ＭＳ Ｐ明朝" panose="02020600040205080304" pitchFamily="18" charset="-128"/>
-                          <a:sym typeface="ＭＳ Ｐ明朝" panose="02020600040205080304" pitchFamily="18" charset="-128"/>
-                        </a:rPr>
-                        <a:t>82</a:t>
-                      </a:r>
-                      <a:endParaRPr lang="en-US" altLang="ja-JP" dirty="0">
-                        <a:latin typeface="ＭＳ Ｐ明朝" panose="02020600040205080304" pitchFamily="18" charset="-128"/>
-                        <a:ea typeface="ＭＳ Ｐ明朝" panose="02020600040205080304" pitchFamily="18" charset="-128"/>
-                        <a:sym typeface="ＭＳ Ｐ明朝" panose="02020600040205080304" pitchFamily="18" charset="-128"/>
-                      </a:endParaRPr>
-                    </a:p>
-                  </a:txBody>
-                  <a:tcPr anchor="ctr"/>
-                </a:tc>
-                <a:tc>
-                  <a:txBody>
-                    <a:bodyPr/>
-                    <a:lstStyle/>
-                    <a:p>
-                      <a:pPr algn="ctr" rtl="0"/>
-                      <a:r>
-                        <a:rPr lang="en-US" altLang="ja-JP" dirty="0" smtClean="0">
-                          <a:latin typeface="ＭＳ Ｐ明朝" panose="02020600040205080304" pitchFamily="18" charset="-128"/>
-                          <a:ea typeface="ＭＳ Ｐ明朝" panose="02020600040205080304" pitchFamily="18" charset="-128"/>
-                          <a:sym typeface="ＭＳ Ｐ明朝" panose="02020600040205080304" pitchFamily="18" charset="-128"/>
-                        </a:rPr>
-                        <a:t>85</a:t>
-                      </a:r>
-                      <a:endParaRPr lang="en-US" altLang="ja-JP" dirty="0">
-                        <a:latin typeface="ＭＳ Ｐ明朝" panose="02020600040205080304" pitchFamily="18" charset="-128"/>
-                        <a:ea typeface="ＭＳ Ｐ明朝" panose="02020600040205080304" pitchFamily="18" charset="-128"/>
-                        <a:sym typeface="ＭＳ Ｐ明朝" panose="02020600040205080304" pitchFamily="18" charset="-128"/>
-                      </a:endParaRPr>
-                    </a:p>
-                  </a:txBody>
-                  <a:tcPr anchor="ctr"/>
-                </a:tc>
-                <a:extLst>
-                  <a:ext uri="{0D108BD9-81ED-4DB2-BD59-A6C34878D82A}">
-                    <a16:rowId xmlns:a16="http://schemas.microsoft.com/office/drawing/2014/main" val="10001"/>
-                  </a:ext>
-                </a:extLst>
-              </a:tr>
-              <a:tr h="520700">
-                <a:tc>
-                  <a:txBody>
-                    <a:bodyPr/>
-                    <a:lstStyle/>
-                    <a:p>
-                      <a:pPr rtl="0"/>
-                      <a:r>
-                        <a:rPr lang="ja-JP" altLang="en-US" dirty="0" smtClean="0">
-                          <a:latin typeface="ＭＳ Ｐ明朝" panose="02020600040205080304" pitchFamily="18" charset="-128"/>
-                          <a:ea typeface="ＭＳ Ｐ明朝" panose="02020600040205080304" pitchFamily="18" charset="-128"/>
-                          <a:sym typeface="ＭＳ Ｐ明朝" panose="02020600040205080304" pitchFamily="18" charset="-128"/>
-                        </a:rPr>
-                        <a:t>クラス </a:t>
-                      </a:r>
-                      <a:r>
-                        <a:rPr lang="en-US" altLang="ja-JP" dirty="0" smtClean="0">
-                          <a:latin typeface="ＭＳ Ｐ明朝" panose="02020600040205080304" pitchFamily="18" charset="-128"/>
-                          <a:ea typeface="ＭＳ Ｐ明朝" panose="02020600040205080304" pitchFamily="18" charset="-128"/>
-                          <a:sym typeface="ＭＳ Ｐ明朝" panose="02020600040205080304" pitchFamily="18" charset="-128"/>
-                        </a:rPr>
-                        <a:t>2</a:t>
-                      </a:r>
-                      <a:endParaRPr lang="en-US" altLang="ja-JP" dirty="0">
-                        <a:latin typeface="ＭＳ Ｐ明朝" panose="02020600040205080304" pitchFamily="18" charset="-128"/>
-                        <a:ea typeface="ＭＳ Ｐ明朝" panose="02020600040205080304" pitchFamily="18" charset="-128"/>
-                        <a:sym typeface="ＭＳ Ｐ明朝" panose="02020600040205080304" pitchFamily="18" charset="-128"/>
-                      </a:endParaRPr>
-                    </a:p>
-                  </a:txBody>
-                  <a:tcPr anchor="ctr"/>
-                </a:tc>
-                <a:tc>
-                  <a:txBody>
-                    <a:bodyPr/>
-                    <a:lstStyle/>
-                    <a:p>
-                      <a:pPr algn="ctr" rtl="0"/>
-                      <a:r>
-                        <a:rPr lang="en-US" altLang="ja-JP" dirty="0" smtClean="0">
-                          <a:latin typeface="ＭＳ Ｐ明朝" panose="02020600040205080304" pitchFamily="18" charset="-128"/>
-                          <a:ea typeface="ＭＳ Ｐ明朝" panose="02020600040205080304" pitchFamily="18" charset="-128"/>
-                          <a:sym typeface="ＭＳ Ｐ明朝" panose="02020600040205080304" pitchFamily="18" charset="-128"/>
-                        </a:rPr>
-                        <a:t>76</a:t>
-                      </a:r>
-                      <a:endParaRPr lang="en-US" altLang="ja-JP" dirty="0">
-                        <a:latin typeface="ＭＳ Ｐ明朝" panose="02020600040205080304" pitchFamily="18" charset="-128"/>
-                        <a:ea typeface="ＭＳ Ｐ明朝" panose="02020600040205080304" pitchFamily="18" charset="-128"/>
-                        <a:sym typeface="ＭＳ Ｐ明朝" panose="02020600040205080304" pitchFamily="18" charset="-128"/>
-                      </a:endParaRPr>
-                    </a:p>
-                  </a:txBody>
-                  <a:tcPr anchor="ctr"/>
-                </a:tc>
-                <a:tc>
-                  <a:txBody>
-                    <a:bodyPr/>
-                    <a:lstStyle/>
-                    <a:p>
-                      <a:pPr algn="ctr" rtl="0"/>
-                      <a:r>
-                        <a:rPr lang="en-US" altLang="ja-JP" dirty="0" smtClean="0">
-                          <a:latin typeface="ＭＳ Ｐ明朝" panose="02020600040205080304" pitchFamily="18" charset="-128"/>
-                          <a:ea typeface="ＭＳ Ｐ明朝" panose="02020600040205080304" pitchFamily="18" charset="-128"/>
-                          <a:sym typeface="ＭＳ Ｐ明朝" panose="02020600040205080304" pitchFamily="18" charset="-128"/>
-                        </a:rPr>
-                        <a:t>88</a:t>
-                      </a:r>
-                      <a:endParaRPr lang="en-US" altLang="ja-JP" dirty="0">
-                        <a:latin typeface="ＭＳ Ｐ明朝" panose="02020600040205080304" pitchFamily="18" charset="-128"/>
-                        <a:ea typeface="ＭＳ Ｐ明朝" panose="02020600040205080304" pitchFamily="18" charset="-128"/>
-                        <a:sym typeface="ＭＳ Ｐ明朝" panose="02020600040205080304" pitchFamily="18" charset="-128"/>
-                      </a:endParaRPr>
-                    </a:p>
-                  </a:txBody>
-                  <a:tcPr anchor="ctr"/>
-                </a:tc>
-                <a:extLst>
-                  <a:ext uri="{0D108BD9-81ED-4DB2-BD59-A6C34878D82A}">
-                    <a16:rowId xmlns:a16="http://schemas.microsoft.com/office/drawing/2014/main" val="10002"/>
-                  </a:ext>
-                </a:extLst>
-              </a:tr>
-              <a:tr h="520700">
-                <a:tc>
-                  <a:txBody>
-                    <a:bodyPr/>
-                    <a:lstStyle/>
-                    <a:p>
-                      <a:pPr rtl="0"/>
-                      <a:r>
-                        <a:rPr lang="ja-JP" altLang="en-US" dirty="0" smtClean="0">
-                          <a:latin typeface="ＭＳ Ｐ明朝" panose="02020600040205080304" pitchFamily="18" charset="-128"/>
-                          <a:ea typeface="ＭＳ Ｐ明朝" panose="02020600040205080304" pitchFamily="18" charset="-128"/>
-                          <a:sym typeface="ＭＳ Ｐ明朝" panose="02020600040205080304" pitchFamily="18" charset="-128"/>
-                        </a:rPr>
-                        <a:t>クラス </a:t>
-                      </a:r>
-                      <a:r>
-                        <a:rPr lang="en-US" altLang="ja-JP" dirty="0" smtClean="0">
-                          <a:latin typeface="ＭＳ Ｐ明朝" panose="02020600040205080304" pitchFamily="18" charset="-128"/>
-                          <a:ea typeface="ＭＳ Ｐ明朝" panose="02020600040205080304" pitchFamily="18" charset="-128"/>
-                          <a:sym typeface="ＭＳ Ｐ明朝" panose="02020600040205080304" pitchFamily="18" charset="-128"/>
-                        </a:rPr>
-                        <a:t>3</a:t>
-                      </a:r>
-                      <a:endParaRPr lang="en-US" altLang="ja-JP" dirty="0">
-                        <a:latin typeface="ＭＳ Ｐ明朝" panose="02020600040205080304" pitchFamily="18" charset="-128"/>
-                        <a:ea typeface="ＭＳ Ｐ明朝" panose="02020600040205080304" pitchFamily="18" charset="-128"/>
-                        <a:sym typeface="ＭＳ Ｐ明朝" panose="02020600040205080304" pitchFamily="18" charset="-128"/>
-                      </a:endParaRPr>
-                    </a:p>
-                  </a:txBody>
-                  <a:tcPr anchor="ctr"/>
-                </a:tc>
-                <a:tc>
-                  <a:txBody>
-                    <a:bodyPr/>
-                    <a:lstStyle/>
-                    <a:p>
-                      <a:pPr algn="ctr" rtl="0"/>
-                      <a:r>
-                        <a:rPr lang="en-US" altLang="ja-JP" dirty="0" smtClean="0">
-                          <a:latin typeface="ＭＳ Ｐ明朝" panose="02020600040205080304" pitchFamily="18" charset="-128"/>
-                          <a:ea typeface="ＭＳ Ｐ明朝" panose="02020600040205080304" pitchFamily="18" charset="-128"/>
-                          <a:sym typeface="ＭＳ Ｐ明朝" panose="02020600040205080304" pitchFamily="18" charset="-128"/>
-                        </a:rPr>
-                        <a:t>84</a:t>
-                      </a:r>
-                      <a:endParaRPr lang="en-US" altLang="ja-JP" dirty="0">
-                        <a:latin typeface="ＭＳ Ｐ明朝" panose="02020600040205080304" pitchFamily="18" charset="-128"/>
-                        <a:ea typeface="ＭＳ Ｐ明朝" panose="02020600040205080304" pitchFamily="18" charset="-128"/>
-                        <a:sym typeface="ＭＳ Ｐ明朝" panose="02020600040205080304" pitchFamily="18" charset="-128"/>
-                      </a:endParaRPr>
-                    </a:p>
-                  </a:txBody>
-                  <a:tcPr anchor="ctr"/>
-                </a:tc>
-                <a:tc>
-                  <a:txBody>
-                    <a:bodyPr/>
-                    <a:lstStyle/>
-                    <a:p>
-                      <a:pPr algn="ctr" rtl="0"/>
-                      <a:r>
-                        <a:rPr lang="en-US" altLang="ja-JP" dirty="0" smtClean="0">
-                          <a:latin typeface="ＭＳ Ｐ明朝" panose="02020600040205080304" pitchFamily="18" charset="-128"/>
-                          <a:ea typeface="ＭＳ Ｐ明朝" panose="02020600040205080304" pitchFamily="18" charset="-128"/>
-                          <a:sym typeface="ＭＳ Ｐ明朝" panose="02020600040205080304" pitchFamily="18" charset="-128"/>
-                        </a:rPr>
-                        <a:t>90</a:t>
-                      </a:r>
-                      <a:endParaRPr lang="en-US" altLang="ja-JP" dirty="0">
-                        <a:latin typeface="ＭＳ Ｐ明朝" panose="02020600040205080304" pitchFamily="18" charset="-128"/>
-                        <a:ea typeface="ＭＳ Ｐ明朝" panose="02020600040205080304" pitchFamily="18" charset="-128"/>
-                        <a:sym typeface="ＭＳ Ｐ明朝" panose="02020600040205080304" pitchFamily="18" charset="-128"/>
-                      </a:endParaRPr>
-                    </a:p>
-                  </a:txBody>
-                  <a:tcPr anchor="ctr"/>
-                </a:tc>
-                <a:extLst>
-                  <a:ext uri="{0D108BD9-81ED-4DB2-BD59-A6C34878D82A}">
-                    <a16:rowId xmlns:a16="http://schemas.microsoft.com/office/drawing/2014/main" val="10003"/>
-                  </a:ext>
-                </a:extLst>
-              </a:tr>
-            </a:tbl>
-          </a:graphicData>
-        </a:graphic>
-      </p:graphicFrame>
       <p:sp>
         <p:nvSpPr>
-          <p:cNvPr id="11" name="コンテンツ プレースホルダー 10"/>
+          <p:cNvPr id="5" name="コンテンツ プレースホルダー 4"/>
           <p:cNvSpPr>
             <a:spLocks noGrp="1"/>
           </p:cNvSpPr>
           <p:nvPr>
-            <p:ph sz="half" idx="2"/>
+            <p:ph sz="half" idx="1"/>
           </p:nvPr>
         </p:nvSpPr>
-        <p:spPr/>
+        <p:spPr>
+          <a:xfrm>
+            <a:off x="1218883" y="1803400"/>
+            <a:ext cx="9751060" cy="4267200"/>
+          </a:xfrm>
+        </p:spPr>
         <p:txBody>
-          <a:bodyPr rtlCol="0"/>
+          <a:bodyPr/>
           <a:lstStyle/>
           <a:p>
-            <a:pPr rtl="0"/>
-            <a:r>
-              <a:rPr lang="ja-JP" altLang="en-US" dirty="0" smtClean="0">
-                <a:latin typeface="ＭＳ Ｐ明朝" panose="02020600040205080304" pitchFamily="18" charset="-128"/>
-                <a:ea typeface="ＭＳ Ｐ明朝" panose="02020600040205080304" pitchFamily="18" charset="-128"/>
-                <a:sym typeface="ＭＳ Ｐ明朝" panose="02020600040205080304" pitchFamily="18" charset="-128"/>
-              </a:rPr>
-              <a:t>ここに最初の箇条書き項目</a:t>
-            </a:r>
-          </a:p>
-          <a:p>
-            <a:pPr rtl="0"/>
-            <a:r>
-              <a:rPr lang="ja-JP" altLang="en-US" dirty="0" smtClean="0">
-                <a:latin typeface="ＭＳ Ｐ明朝" panose="02020600040205080304" pitchFamily="18" charset="-128"/>
-                <a:ea typeface="ＭＳ Ｐ明朝" panose="02020600040205080304" pitchFamily="18" charset="-128"/>
-                <a:sym typeface="ＭＳ Ｐ明朝" panose="02020600040205080304" pitchFamily="18" charset="-128"/>
-              </a:rPr>
-              <a:t>ここに </a:t>
-            </a:r>
-            <a:r>
-              <a:rPr lang="en-US" altLang="ja-JP" dirty="0" smtClean="0">
-                <a:latin typeface="ＭＳ Ｐ明朝" panose="02020600040205080304" pitchFamily="18" charset="-128"/>
-                <a:ea typeface="ＭＳ Ｐ明朝" panose="02020600040205080304" pitchFamily="18" charset="-128"/>
-                <a:sym typeface="ＭＳ Ｐ明朝" panose="02020600040205080304" pitchFamily="18" charset="-128"/>
-              </a:rPr>
-              <a:t>2 </a:t>
-            </a:r>
-            <a:r>
-              <a:rPr lang="ja-JP" altLang="en-US" dirty="0" smtClean="0">
-                <a:latin typeface="ＭＳ Ｐ明朝" panose="02020600040205080304" pitchFamily="18" charset="-128"/>
-                <a:ea typeface="ＭＳ Ｐ明朝" panose="02020600040205080304" pitchFamily="18" charset="-128"/>
-                <a:sym typeface="ＭＳ Ｐ明朝" panose="02020600040205080304" pitchFamily="18" charset="-128"/>
-              </a:rPr>
-              <a:t>番目の箇条書き項目</a:t>
-            </a:r>
-          </a:p>
-          <a:p>
-            <a:pPr rtl="0"/>
-            <a:r>
-              <a:rPr lang="ja-JP" altLang="en-US" dirty="0" smtClean="0">
-                <a:latin typeface="ＭＳ Ｐ明朝" panose="02020600040205080304" pitchFamily="18" charset="-128"/>
-                <a:ea typeface="ＭＳ Ｐ明朝" panose="02020600040205080304" pitchFamily="18" charset="-128"/>
-                <a:sym typeface="ＭＳ Ｐ明朝" panose="02020600040205080304" pitchFamily="18" charset="-128"/>
-              </a:rPr>
-              <a:t>ここに </a:t>
-            </a:r>
-            <a:r>
-              <a:rPr lang="en-US" altLang="ja-JP" dirty="0" smtClean="0">
-                <a:latin typeface="ＭＳ Ｐ明朝" panose="02020600040205080304" pitchFamily="18" charset="-128"/>
-                <a:ea typeface="ＭＳ Ｐ明朝" panose="02020600040205080304" pitchFamily="18" charset="-128"/>
-                <a:sym typeface="ＭＳ Ｐ明朝" panose="02020600040205080304" pitchFamily="18" charset="-128"/>
-              </a:rPr>
-              <a:t>3 </a:t>
-            </a:r>
-            <a:r>
-              <a:rPr lang="ja-JP" altLang="en-US" dirty="0" smtClean="0">
-                <a:latin typeface="ＭＳ Ｐ明朝" panose="02020600040205080304" pitchFamily="18" charset="-128"/>
-                <a:ea typeface="ＭＳ Ｐ明朝" panose="02020600040205080304" pitchFamily="18" charset="-128"/>
-                <a:sym typeface="ＭＳ Ｐ明朝" panose="02020600040205080304" pitchFamily="18" charset="-128"/>
-              </a:rPr>
-              <a:t>番目の箇条書き項目</a:t>
-            </a:r>
-            <a:endParaRPr lang="ja-JP" altLang="en-US" dirty="0">
-              <a:latin typeface="ＭＳ Ｐ明朝" panose="02020600040205080304" pitchFamily="18" charset="-128"/>
-              <a:ea typeface="ＭＳ Ｐ明朝" panose="02020600040205080304" pitchFamily="18" charset="-128"/>
-              <a:sym typeface="ＭＳ Ｐ明朝" panose="02020600040205080304" pitchFamily="18" charset="-128"/>
-            </a:endParaRPr>
+            <a:r>
+              <a:rPr lang="ja-JP" altLang="en-US" dirty="0" smtClean="0"/>
+              <a:t>ローカルリポジトリ上に</a:t>
+            </a:r>
+            <a:endParaRPr kumimoji="1" lang="ja-JP" altLang="en-US" dirty="0"/>
           </a:p>
         </p:txBody>
       </p:sp>
@@ -13101,6 +12626,15 @@
 </file>
 
 <file path=customXml/item2.xml><?xml version="1.0" encoding="utf-8"?>
+<?mso-contentType ?>
+<FormTemplates xmlns="http://schemas.microsoft.com/sharepoint/v3/contenttype/forms">
+  <Display>DocumentLibraryForm</Display>
+  <Edit>AssetEditForm</Edit>
+  <New>DocumentLibraryForm</New>
+</FormTemplates>
+</file>
+
+<file path=customXml/item3.xml><?xml version="1.0" encoding="utf-8"?>
 <p:properties xmlns:p="http://schemas.microsoft.com/office/2006/metadata/properties" xmlns:xsi="http://www.w3.org/2001/XMLSchema-instance" xmlns:pc="http://schemas.microsoft.com/office/infopath/2007/PartnerControls">
   <documentManagement>
     <DirectSourceMarket xmlns="4873beb7-5857-4685-be1f-d57550cc96cc" xsi:nil="true"/>
@@ -13226,15 +12760,6 @@
 </p:properties>
 </file>
 
-<file path=customXml/item3.xml><?xml version="1.0" encoding="utf-8"?>
-<?mso-contentType ?>
-<FormTemplates xmlns="http://schemas.microsoft.com/sharepoint/v3/contenttype/forms">
-  <Display>DocumentLibraryForm</Display>
-  <Edit>AssetEditForm</Edit>
-  <New>DocumentLibraryForm</New>
-</FormTemplates>
-</file>
-
 <file path=customXml/itemProps1.xml><?xml version="1.0" encoding="utf-8"?>
 <ds:datastoreItem xmlns:ds="http://schemas.openxmlformats.org/officeDocument/2006/customXml" ds:itemID="{83ED4759-CFDD-43F0-817C-11D9197192BA}">
   <ds:schemaRefs>
@@ -13254,6 +12779,14 @@
 </file>
 
 <file path=customXml/itemProps2.xml><?xml version="1.0" encoding="utf-8"?>
+<ds:datastoreItem xmlns:ds="http://schemas.openxmlformats.org/officeDocument/2006/customXml" ds:itemID="{8D003AC8-209A-4321-A17C-1B7A20643390}">
+  <ds:schemaRefs>
+    <ds:schemaRef ds:uri="http://schemas.microsoft.com/sharepoint/v3/contenttype/forms"/>
+  </ds:schemaRefs>
+</ds:datastoreItem>
+</file>
+
+<file path=customXml/itemProps3.xml><?xml version="1.0" encoding="utf-8"?>
 <ds:datastoreItem xmlns:ds="http://schemas.openxmlformats.org/officeDocument/2006/customXml" ds:itemID="{4ED80E12-3BE9-4746-820E-FFB249F467F2}">
   <ds:schemaRefs>
     <ds:schemaRef ds:uri="http://schemas.microsoft.com/office/2006/documentManagement/types"/>
@@ -13267,12 +12800,4 @@
     <ds:schemaRef ds:uri="http://purl.org/dc/dcmitype/"/>
   </ds:schemaRefs>
 </ds:datastoreItem>
-</file>
-
-<file path=customXml/itemProps3.xml><?xml version="1.0" encoding="utf-8"?>
-<ds:datastoreItem xmlns:ds="http://schemas.openxmlformats.org/officeDocument/2006/customXml" ds:itemID="{8D003AC8-209A-4321-A17C-1B7A20643390}">
-  <ds:schemaRefs>
-    <ds:schemaRef ds:uri="http://schemas.microsoft.com/sharepoint/v3/contenttype/forms"/>
-  </ds:schemaRefs>
-</ds:datastoreItem>
 </file>